--- a/1차 프로젝트 발표/2021184014 박해나 1차 프로젝트 발표.pptx
+++ b/1차 프로젝트 발표/2021184014 박해나 1차 프로젝트 발표.pptx
@@ -15187,9 +15187,10 @@
               <a:t>하트 </a:t>
             </a:r>
             <a:r>
-              <a:rPr lang="en-US" altLang="ko-KR" dirty="0"/>
-              <a:t>:</a:t>
+              <a:rPr lang="en-US" altLang="ko-KR"/>
+              <a:t>: </a:t>
             </a:r>
+            <a:endParaRPr lang="en-US" altLang="ko-KR" dirty="0"/>
           </a:p>
           <a:p>
             <a:pPr algn="l"/>
